--- a/POSTER/POSTER MINERIA.pptx
+++ b/POSTER/POSTER MINERIA.pptx
@@ -243,7 +243,7 @@
           <a:p>
             <a:fld id="{B0E72957-B8C7-4DEA-A583-E2663855378A}" type="datetimeFigureOut">
               <a:rPr lang="es-MX" smtClean="0"/>
-              <a:t>22/05/2020</a:t>
+              <a:t>25/05/2020</a:t>
             </a:fld>
             <a:endParaRPr lang="es-MX"/>
           </a:p>
@@ -413,7 +413,7 @@
           <a:p>
             <a:fld id="{B0E72957-B8C7-4DEA-A583-E2663855378A}" type="datetimeFigureOut">
               <a:rPr lang="es-MX" smtClean="0"/>
-              <a:t>22/05/2020</a:t>
+              <a:t>25/05/2020</a:t>
             </a:fld>
             <a:endParaRPr lang="es-MX"/>
           </a:p>
@@ -593,7 +593,7 @@
           <a:p>
             <a:fld id="{B0E72957-B8C7-4DEA-A583-E2663855378A}" type="datetimeFigureOut">
               <a:rPr lang="es-MX" smtClean="0"/>
-              <a:t>22/05/2020</a:t>
+              <a:t>25/05/2020</a:t>
             </a:fld>
             <a:endParaRPr lang="es-MX"/>
           </a:p>
@@ -763,7 +763,7 @@
           <a:p>
             <a:fld id="{B0E72957-B8C7-4DEA-A583-E2663855378A}" type="datetimeFigureOut">
               <a:rPr lang="es-MX" smtClean="0"/>
-              <a:t>22/05/2020</a:t>
+              <a:t>25/05/2020</a:t>
             </a:fld>
             <a:endParaRPr lang="es-MX"/>
           </a:p>
@@ -1007,7 +1007,7 @@
           <a:p>
             <a:fld id="{B0E72957-B8C7-4DEA-A583-E2663855378A}" type="datetimeFigureOut">
               <a:rPr lang="es-MX" smtClean="0"/>
-              <a:t>22/05/2020</a:t>
+              <a:t>25/05/2020</a:t>
             </a:fld>
             <a:endParaRPr lang="es-MX"/>
           </a:p>
@@ -1239,7 +1239,7 @@
           <a:p>
             <a:fld id="{B0E72957-B8C7-4DEA-A583-E2663855378A}" type="datetimeFigureOut">
               <a:rPr lang="es-MX" smtClean="0"/>
-              <a:t>22/05/2020</a:t>
+              <a:t>25/05/2020</a:t>
             </a:fld>
             <a:endParaRPr lang="es-MX"/>
           </a:p>
@@ -1606,7 +1606,7 @@
           <a:p>
             <a:fld id="{B0E72957-B8C7-4DEA-A583-E2663855378A}" type="datetimeFigureOut">
               <a:rPr lang="es-MX" smtClean="0"/>
-              <a:t>22/05/2020</a:t>
+              <a:t>25/05/2020</a:t>
             </a:fld>
             <a:endParaRPr lang="es-MX"/>
           </a:p>
@@ -1724,7 +1724,7 @@
           <a:p>
             <a:fld id="{B0E72957-B8C7-4DEA-A583-E2663855378A}" type="datetimeFigureOut">
               <a:rPr lang="es-MX" smtClean="0"/>
-              <a:t>22/05/2020</a:t>
+              <a:t>25/05/2020</a:t>
             </a:fld>
             <a:endParaRPr lang="es-MX"/>
           </a:p>
@@ -1819,7 +1819,7 @@
           <a:p>
             <a:fld id="{B0E72957-B8C7-4DEA-A583-E2663855378A}" type="datetimeFigureOut">
               <a:rPr lang="es-MX" smtClean="0"/>
-              <a:t>22/05/2020</a:t>
+              <a:t>25/05/2020</a:t>
             </a:fld>
             <a:endParaRPr lang="es-MX"/>
           </a:p>
@@ -2096,7 +2096,7 @@
           <a:p>
             <a:fld id="{B0E72957-B8C7-4DEA-A583-E2663855378A}" type="datetimeFigureOut">
               <a:rPr lang="es-MX" smtClean="0"/>
-              <a:t>22/05/2020</a:t>
+              <a:t>25/05/2020</a:t>
             </a:fld>
             <a:endParaRPr lang="es-MX"/>
           </a:p>
@@ -2353,7 +2353,7 @@
           <a:p>
             <a:fld id="{B0E72957-B8C7-4DEA-A583-E2663855378A}" type="datetimeFigureOut">
               <a:rPr lang="es-MX" smtClean="0"/>
-              <a:t>22/05/2020</a:t>
+              <a:t>25/05/2020</a:t>
             </a:fld>
             <a:endParaRPr lang="es-MX"/>
           </a:p>
@@ -2566,7 +2566,7 @@
           <a:p>
             <a:fld id="{B0E72957-B8C7-4DEA-A583-E2663855378A}" type="datetimeFigureOut">
               <a:rPr lang="es-MX" smtClean="0"/>
-              <a:t>22/05/2020</a:t>
+              <a:t>25/05/2020</a:t>
             </a:fld>
             <a:endParaRPr lang="es-MX"/>
           </a:p>
@@ -2996,8 +2996,8 @@
         </p:nvSpPr>
         <p:spPr>
           <a:xfrm rot="10800000">
-            <a:off x="6527267" y="972632"/>
-            <a:ext cx="2623506" cy="584166"/>
+            <a:off x="6293329" y="972632"/>
+            <a:ext cx="2857444" cy="584166"/>
           </a:xfrm>
           <a:prstGeom prst="rightArrow">
             <a:avLst>
@@ -3051,7 +3051,7 @@
         </p:nvSpPr>
         <p:spPr>
           <a:xfrm>
-            <a:off x="-3087" y="5352977"/>
+            <a:off x="-3087" y="4859681"/>
             <a:ext cx="2626163" cy="584166"/>
           </a:xfrm>
           <a:prstGeom prst="rightArrow">
@@ -3633,7 +3633,7 @@
         <p:spPr>
           <a:xfrm>
             <a:off x="84693" y="3024779"/>
-            <a:ext cx="2701095" cy="2461251"/>
+            <a:ext cx="2701095" cy="1815241"/>
           </a:xfrm>
           <a:prstGeom prst="rect">
             <a:avLst/>
@@ -3659,10 +3659,8 @@
                 <a:latin typeface="Arial" panose="020B0604020202020204" pitchFamily="34" charset="0"/>
                 <a:cs typeface="Arial" panose="020B0604020202020204" pitchFamily="34" charset="0"/>
               </a:rPr>
-              <a:t>El objetivo de esta investigación es buscar respuestas en cuanto los suicidios presentados en cada país y si estos fueron por motivos del dinero, tomando en cuenta tambien el sexo de la persona para determinar quienes fueron mas propensos.</a:t>
-            </a:r>
-          </a:p>
-          <a:p>
+              <a:t>El objetivo de esta investigación es ver como influyo la economía dentro del tema de los suicidios, mostrando tambien quienes fueron los más vulnerables e inclusive los índices totales que se han tenido en México.</a:t>
+            </a:r>
             <a:endParaRPr lang="es-MX" sz="1798" b="1" dirty="0">
               <a:latin typeface="Brush Script MT" panose="03060802040406070304" pitchFamily="66" charset="0"/>
             </a:endParaRPr>
@@ -3683,7 +3681,7 @@
         </p:nvSpPr>
         <p:spPr>
           <a:xfrm>
-            <a:off x="230445" y="5291485"/>
+            <a:off x="230445" y="4798189"/>
             <a:ext cx="2224572" cy="707149"/>
           </a:xfrm>
           <a:prstGeom prst="rect">
@@ -3757,7 +3755,7 @@
         </p:nvSpPr>
         <p:spPr>
           <a:xfrm>
-            <a:off x="70603" y="5881547"/>
+            <a:off x="81731" y="5427478"/>
             <a:ext cx="2626163" cy="1015663"/>
           </a:xfrm>
           <a:prstGeom prst="rect">
@@ -3861,7 +3859,7 @@
         </p:blipFill>
         <p:spPr bwMode="auto">
           <a:xfrm>
-            <a:off x="404809" y="6977662"/>
+            <a:off x="284492" y="6436238"/>
             <a:ext cx="460823" cy="460823"/>
           </a:xfrm>
           <a:prstGeom prst="rect">
@@ -3913,7 +3911,7 @@
         </p:blipFill>
         <p:spPr>
           <a:xfrm>
-            <a:off x="764317" y="6604606"/>
+            <a:off x="741184" y="6039991"/>
             <a:ext cx="5006178" cy="1288272"/>
           </a:xfrm>
           <a:prstGeom prst="rect">
@@ -3962,7 +3960,7 @@
         </p:blipFill>
         <p:spPr>
           <a:xfrm>
-            <a:off x="1039038" y="7000876"/>
+            <a:off x="918721" y="6459452"/>
             <a:ext cx="783394" cy="528791"/>
           </a:xfrm>
           <a:prstGeom prst="rect">
@@ -3985,7 +3983,7 @@
         <p:spPr>
           <a:xfrm>
             <a:off x="3181919" y="1088436"/>
-            <a:ext cx="2949217" cy="4524315"/>
+            <a:ext cx="2949217" cy="3970318"/>
           </a:xfrm>
           <a:prstGeom prst="rect">
             <a:avLst/>
@@ -4003,7 +4001,7 @@
                 <a:latin typeface="Arial" panose="020B0604020202020204" pitchFamily="34" charset="0"/>
                 <a:cs typeface="Arial" panose="020B0604020202020204" pitchFamily="34" charset="0"/>
               </a:rPr>
-              <a:t>Para llegar a los distintos puntos del objetivo se valoraron mediante la comparación de nuestro propio país con el índice de muertes que se tuvo entre hombres y mujeres. Sin embargo anteriormente los casos de suicidios mundialmente  tuvieron un resultado total de 1313024 casos de suicidios y las mujeres 411000 con una diferencia de 902,024 y curiosamente se hace mucho mayor la cantidad de suicidios en edades avanzadas para hombres. </a:t>
+              <a:t>con el índice de muertes que se tuvo entre hombres y mujeres. Sin embargo anteriormente los casos de suicidios mundialmente  tuvieron un resultado total de 1313024 casos de suicidios y las mujeres 411000 con una diferencia de 902,024 y curiosamente se hace mucho mayor la cantidad de suicidios en edades avanzadas para hombres. </a:t>
             </a:r>
           </a:p>
           <a:p>
@@ -4049,7 +4047,7 @@
         </p:blipFill>
         <p:spPr>
           <a:xfrm>
-            <a:off x="120641" y="8379150"/>
+            <a:off x="120641" y="7705382"/>
             <a:ext cx="2576126" cy="2260139"/>
           </a:xfrm>
           <a:prstGeom prst="rect">
@@ -4078,7 +4076,7 @@
         </p:blipFill>
         <p:spPr>
           <a:xfrm>
-            <a:off x="1058849" y="7672051"/>
+            <a:off x="1058849" y="7094533"/>
             <a:ext cx="783395" cy="524019"/>
           </a:xfrm>
           <a:prstGeom prst="rect">
@@ -4107,7 +4105,7 @@
         </p:blipFill>
         <p:spPr>
           <a:xfrm>
-            <a:off x="93345" y="7673647"/>
+            <a:off x="93345" y="7096129"/>
             <a:ext cx="918397" cy="460823"/>
           </a:xfrm>
           <a:prstGeom prst="rect">
@@ -4136,7 +4134,7 @@
         </p:blipFill>
         <p:spPr>
           <a:xfrm>
-            <a:off x="3247764" y="5691689"/>
+            <a:off x="3247764" y="5078075"/>
             <a:ext cx="2846067" cy="1970091"/>
           </a:xfrm>
           <a:prstGeom prst="rect">
@@ -4168,7 +4166,7 @@
         </p:nvSpPr>
         <p:spPr>
           <a:xfrm>
-            <a:off x="21101" y="10622713"/>
+            <a:off x="21101" y="10033163"/>
             <a:ext cx="2819268" cy="461665"/>
           </a:xfrm>
           <a:prstGeom prst="rect">
@@ -4204,7 +4202,7 @@
         </p:nvSpPr>
         <p:spPr>
           <a:xfrm>
-            <a:off x="3180786" y="7642972"/>
+            <a:off x="3180786" y="7125611"/>
             <a:ext cx="2949217" cy="646331"/>
           </a:xfrm>
           <a:prstGeom prst="rect">
@@ -4289,8 +4287,8 @@
         </p:nvSpPr>
         <p:spPr>
           <a:xfrm>
-            <a:off x="1757" y="11033653"/>
-            <a:ext cx="2754863" cy="1015663"/>
+            <a:off x="1757" y="10432074"/>
+            <a:ext cx="2754863" cy="1569660"/>
           </a:xfrm>
           <a:prstGeom prst="rect">
             <a:avLst/>
@@ -4308,7 +4306,7 @@
                 <a:latin typeface="Arial" panose="020B0604020202020204" pitchFamily="34" charset="0"/>
                 <a:cs typeface="Arial" panose="020B0604020202020204" pitchFamily="34" charset="0"/>
               </a:rPr>
-              <a:t>Dentro del análisis detallado para la construcción de las graficas primero se tuvo que plantear diferentes preguntas, una de ella fue ¿Quiénes son mas propensos a los suicidios? </a:t>
+              <a:t>Dentro del análisis detallado para la construcción de las graficas primero se tuvo que plantear diferentes preguntas, una de ella fue ¿Quiénes son mas propensos a los suicidios? Para llegar a los distintos puntos del objetivo se valoraron mediante la comparación de nuestro propio país </a:t>
             </a:r>
             <a:endParaRPr lang="es-MX" sz="1200" dirty="0"/>
           </a:p>
@@ -4328,8 +4326,8 @@
         </p:nvSpPr>
         <p:spPr>
           <a:xfrm rot="10800000">
-            <a:off x="6515891" y="7252888"/>
-            <a:ext cx="2623506" cy="584166"/>
+            <a:off x="6293330" y="7252886"/>
+            <a:ext cx="2846067" cy="707149"/>
           </a:xfrm>
           <a:prstGeom prst="rightArrow">
             <a:avLst>
@@ -4383,8 +4381,8 @@
         </p:nvSpPr>
         <p:spPr>
           <a:xfrm>
-            <a:off x="6998740" y="7129234"/>
-            <a:ext cx="2141359" cy="707149"/>
+            <a:off x="6369661" y="7384129"/>
+            <a:ext cx="3032914" cy="461665"/>
           </a:xfrm>
           <a:prstGeom prst="rect">
             <a:avLst/>
@@ -4397,12 +4395,12 @@
           <a:lstStyle/>
           <a:p>
             <a:r>
-              <a:rPr lang="es-MX" sz="3996" b="1" dirty="0">
+              <a:rPr lang="es-MX" sz="2400" b="1" dirty="0">
                 <a:latin typeface="Brush Script MT" panose="03060802040406070304" pitchFamily="66" charset="0"/>
               </a:rPr>
-              <a:t>Conclusión</a:t>
-            </a:r>
-            <a:endParaRPr lang="es-MX" sz="3996" dirty="0"/>
+              <a:t>Conclusión y trabajo futuro</a:t>
+            </a:r>
+            <a:endParaRPr lang="es-MX" sz="2400" dirty="0"/>
           </a:p>
         </p:txBody>
       </p:sp>
@@ -4420,8 +4418,8 @@
         </p:nvSpPr>
         <p:spPr>
           <a:xfrm rot="10800000">
-            <a:off x="6527267" y="10599583"/>
-            <a:ext cx="2623506" cy="584166"/>
+            <a:off x="6342369" y="10599583"/>
+            <a:ext cx="2808404" cy="584166"/>
           </a:xfrm>
           <a:prstGeom prst="rightArrow">
             <a:avLst>
@@ -4541,7 +4539,7 @@
         </p:nvSpPr>
         <p:spPr>
           <a:xfrm>
-            <a:off x="3198547" y="8234711"/>
+            <a:off x="3198547" y="7837669"/>
             <a:ext cx="2949216" cy="2308324"/>
           </a:xfrm>
           <a:prstGeom prst="rect">
@@ -4594,7 +4592,7 @@
         </p:blipFill>
         <p:spPr>
           <a:xfrm>
-            <a:off x="1901430" y="7686574"/>
+            <a:off x="1901430" y="7109056"/>
             <a:ext cx="839676" cy="467675"/>
           </a:xfrm>
           <a:prstGeom prst="rect">
@@ -4623,7 +4621,7 @@
         </p:blipFill>
         <p:spPr>
           <a:xfrm>
-            <a:off x="3284827" y="10329255"/>
+            <a:off x="3284827" y="10052528"/>
             <a:ext cx="2741133" cy="1597229"/>
           </a:xfrm>
           <a:prstGeom prst="rect">
@@ -4655,7 +4653,7 @@
         </p:nvSpPr>
         <p:spPr>
           <a:xfrm>
-            <a:off x="3220896" y="11902301"/>
+            <a:off x="3220896" y="11721829"/>
             <a:ext cx="2949216" cy="276999"/>
           </a:xfrm>
           <a:prstGeom prst="rect">
@@ -4690,7 +4688,7 @@
         </p:nvSpPr>
         <p:spPr>
           <a:xfrm>
-            <a:off x="6476359" y="1516221"/>
+            <a:off x="6501073" y="1516221"/>
             <a:ext cx="2614368" cy="6001643"/>
           </a:xfrm>
           <a:prstGeom prst="rect">
